--- a/slides/Update - 04_18_2025.pptx
+++ b/slides/Update - 04_18_2025.pptx
@@ -18,6 +18,7 @@
     <p:sldId id="263" r:id="rId13"/>
     <p:sldId id="264" r:id="rId14"/>
     <p:sldId id="265" r:id="rId15"/>
+    <p:sldId id="266" r:id="rId16"/>
   </p:sldIdLst>
   <p:sldSz cy="5143500" cx="9144000"/>
   <p:notesSz cx="6858000" cy="9144000"/>
@@ -813,7 +814,7 @@
       </p:grpSpPr>
       <p:sp>
         <p:nvSpPr>
-          <p:cNvPr id="104" name="Google Shape;104;g34b24a7f0eb_0_798:notes"/>
+          <p:cNvPr id="104" name="Google Shape;104;g34bab294e21_0_49:notes"/>
           <p:cNvSpPr/>
           <p:nvPr>
             <p:ph idx="2" type="sldImg"/>
@@ -848,7 +849,106 @@
       </p:sp>
       <p:sp>
         <p:nvSpPr>
-          <p:cNvPr id="105" name="Google Shape;105;g34b24a7f0eb_0_798:notes"/>
+          <p:cNvPr id="105" name="Google Shape;105;g34bab294e21_0_49:notes"/>
+          <p:cNvSpPr txBox="1"/>
+          <p:nvPr>
+            <p:ph idx="1" type="body"/>
+          </p:nvPr>
+        </p:nvSpPr>
+        <p:spPr>
+          <a:xfrm>
+            <a:off x="685800" y="4343400"/>
+            <a:ext cx="5486400" cy="4114800"/>
+          </a:xfrm>
+          <a:prstGeom prst="rect">
+            <a:avLst/>
+          </a:prstGeom>
+        </p:spPr>
+        <p:txBody>
+          <a:bodyPr anchorCtr="0" anchor="t" bIns="91425" lIns="91425" spcFirstLastPara="1" rIns="91425" wrap="square" tIns="91425">
+            <a:noAutofit/>
+          </a:bodyPr>
+          <a:lstStyle/>
+          <a:p>
+            <a:pPr indent="0" lvl="0" marL="0" rtl="0" algn="l">
+              <a:spcBef>
+                <a:spcPts val="0"/>
+              </a:spcBef>
+              <a:spcAft>
+                <a:spcPts val="0"/>
+              </a:spcAft>
+              <a:buNone/>
+            </a:pPr>
+            <a:r>
+              <a:t/>
+            </a:r>
+            <a:endParaRPr/>
+          </a:p>
+        </p:txBody>
+      </p:sp>
+    </p:spTree>
+  </p:cSld>
+  <p:clrMapOvr>
+    <a:masterClrMapping/>
+  </p:clrMapOvr>
+</p:notes>
+</file>
+
+<file path=ppt/notesSlides/notesSlide11.xml><?xml version="1.0" encoding="utf-8"?>
+<p:notes xmlns:a="http://schemas.openxmlformats.org/drawingml/2006/main" xmlns:r="http://schemas.openxmlformats.org/officeDocument/2006/relationships" xmlns:mc="http://schemas.openxmlformats.org/markup-compatibility/2006" xmlns:mv="urn:schemas-microsoft-com:mac:vml" xmlns:p="http://schemas.openxmlformats.org/presentationml/2006/main" xmlns:c="http://schemas.openxmlformats.org/drawingml/2006/chart" xmlns:dgm="http://schemas.openxmlformats.org/drawingml/2006/diagram" xmlns:o="urn:schemas-microsoft-com:office:office" xmlns:v="urn:schemas-microsoft-com:vml" xmlns:pvml="urn:schemas-microsoft-com:office:powerpoint" xmlns:com="http://schemas.openxmlformats.org/drawingml/2006/compatibility" xmlns:p14="http://schemas.microsoft.com/office/powerpoint/2010/main" xmlns:p15="http://schemas.microsoft.com/office/powerpoint/2012/main" xmlns:ahyp="http://schemas.microsoft.com/office/drawing/2018/hyperlinkcolor" showMasterPhAnim="0" showMasterSp="0">
+  <p:cSld>
+    <p:spTree>
+      <p:nvGrpSpPr>
+        <p:cNvPr id="109" name="Shape 109"/>
+        <p:cNvGrpSpPr/>
+        <p:nvPr/>
+      </p:nvGrpSpPr>
+      <p:grpSpPr>
+        <a:xfrm>
+          <a:off x="0" y="0"/>
+          <a:ext cx="0" cy="0"/>
+          <a:chOff x="0" y="0"/>
+          <a:chExt cx="0" cy="0"/>
+        </a:xfrm>
+      </p:grpSpPr>
+      <p:sp>
+        <p:nvSpPr>
+          <p:cNvPr id="110" name="Google Shape;110;g34b24a7f0eb_0_798:notes"/>
+          <p:cNvSpPr/>
+          <p:nvPr>
+            <p:ph idx="2" type="sldImg"/>
+          </p:nvPr>
+        </p:nvSpPr>
+        <p:spPr>
+          <a:xfrm>
+            <a:off x="381300" y="685800"/>
+            <a:ext cx="6096000" cy="3429000"/>
+          </a:xfrm>
+          <a:custGeom>
+            <a:rect b="b" l="l" r="r" t="t"/>
+            <a:pathLst>
+              <a:path extrusionOk="0" h="120000" w="120000">
+                <a:moveTo>
+                  <a:pt x="0" y="0"/>
+                </a:moveTo>
+                <a:lnTo>
+                  <a:pt x="120000" y="0"/>
+                </a:lnTo>
+                <a:lnTo>
+                  <a:pt x="120000" y="120000"/>
+                </a:lnTo>
+                <a:lnTo>
+                  <a:pt x="0" y="120000"/>
+                </a:lnTo>
+                <a:close/>
+              </a:path>
+            </a:pathLst>
+          </a:custGeom>
+        </p:spPr>
+      </p:sp>
+      <p:sp>
+        <p:nvSpPr>
+          <p:cNvPr id="111" name="Google Shape;111;g34b24a7f0eb_0_798:notes"/>
           <p:cNvSpPr txBox="1"/>
           <p:nvPr>
             <p:ph idx="1" type="body"/>
@@ -6584,7 +6684,7 @@
             </a:pPr>
             <a:r>
               <a:rPr lang="en"/>
-              <a:t>Future Work</a:t>
+              <a:t>Future Constraints</a:t>
             </a:r>
             <a:endParaRPr/>
           </a:p>
@@ -6601,6 +6701,278 @@
         <p:spPr>
           <a:xfrm>
             <a:off x="311700" y="1152475"/>
+            <a:ext cx="7253100" cy="3416400"/>
+          </a:xfrm>
+          <a:prstGeom prst="rect">
+            <a:avLst/>
+          </a:prstGeom>
+        </p:spPr>
+        <p:txBody>
+          <a:bodyPr anchorCtr="0" anchor="t" bIns="91425" lIns="91425" spcFirstLastPara="1" rIns="91425" wrap="square" tIns="91425">
+            <a:normAutofit/>
+          </a:bodyPr>
+          <a:lstStyle/>
+          <a:p>
+            <a:pPr indent="-355600" lvl="0" marL="457200" rtl="0" algn="l">
+              <a:spcBef>
+                <a:spcPts val="0"/>
+              </a:spcBef>
+              <a:spcAft>
+                <a:spcPts val="0"/>
+              </a:spcAft>
+              <a:buClr>
+                <a:schemeClr val="dk1"/>
+              </a:buClr>
+              <a:buSzPts val="2000"/>
+              <a:buChar char="●"/>
+            </a:pPr>
+            <a:r>
+              <a:rPr lang="en" sz="2000">
+                <a:solidFill>
+                  <a:schemeClr val="dk1"/>
+                </a:solidFill>
+              </a:rPr>
+              <a:t>Use pathfinding algorithms for Agents until LLM needed</a:t>
+            </a:r>
+            <a:endParaRPr sz="2000">
+              <a:solidFill>
+                <a:schemeClr val="dk1"/>
+              </a:solidFill>
+            </a:endParaRPr>
+          </a:p>
+          <a:p>
+            <a:pPr indent="-355600" lvl="1" marL="914400" rtl="0" algn="l">
+              <a:spcBef>
+                <a:spcPts val="0"/>
+              </a:spcBef>
+              <a:spcAft>
+                <a:spcPts val="0"/>
+              </a:spcAft>
+              <a:buClr>
+                <a:schemeClr val="dk1"/>
+              </a:buClr>
+              <a:buSzPts val="2000"/>
+              <a:buChar char="○"/>
+            </a:pPr>
+            <a:r>
+              <a:rPr lang="en" sz="2000">
+                <a:solidFill>
+                  <a:schemeClr val="dk1"/>
+                </a:solidFill>
+              </a:rPr>
+              <a:t>Reduce computational loads</a:t>
+            </a:r>
+            <a:endParaRPr sz="2000">
+              <a:solidFill>
+                <a:schemeClr val="dk1"/>
+              </a:solidFill>
+            </a:endParaRPr>
+          </a:p>
+          <a:p>
+            <a:pPr indent="0" lvl="0" marL="0" rtl="0" algn="l">
+              <a:spcBef>
+                <a:spcPts val="1200"/>
+              </a:spcBef>
+              <a:spcAft>
+                <a:spcPts val="0"/>
+              </a:spcAft>
+              <a:buNone/>
+            </a:pPr>
+            <a:r>
+              <a:t/>
+            </a:r>
+            <a:endParaRPr sz="2000">
+              <a:solidFill>
+                <a:schemeClr val="dk1"/>
+              </a:solidFill>
+            </a:endParaRPr>
+          </a:p>
+          <a:p>
+            <a:pPr indent="-355600" lvl="0" marL="457200" rtl="0" algn="l">
+              <a:spcBef>
+                <a:spcPts val="1200"/>
+              </a:spcBef>
+              <a:spcAft>
+                <a:spcPts val="0"/>
+              </a:spcAft>
+              <a:buClr>
+                <a:schemeClr val="dk1"/>
+              </a:buClr>
+              <a:buSzPts val="2000"/>
+              <a:buChar char="●"/>
+            </a:pPr>
+            <a:r>
+              <a:rPr lang="en" sz="2000">
+                <a:solidFill>
+                  <a:schemeClr val="dk1"/>
+                </a:solidFill>
+              </a:rPr>
+              <a:t>LLM uses RAG to decide agent movements</a:t>
+            </a:r>
+            <a:endParaRPr sz="2000">
+              <a:solidFill>
+                <a:schemeClr val="dk1"/>
+              </a:solidFill>
+            </a:endParaRPr>
+          </a:p>
+          <a:p>
+            <a:pPr indent="-355600" lvl="1" marL="914400" rtl="0" algn="l">
+              <a:spcBef>
+                <a:spcPts val="0"/>
+              </a:spcBef>
+              <a:spcAft>
+                <a:spcPts val="0"/>
+              </a:spcAft>
+              <a:buClr>
+                <a:schemeClr val="dk1"/>
+              </a:buClr>
+              <a:buSzPts val="2000"/>
+              <a:buChar char="○"/>
+            </a:pPr>
+            <a:r>
+              <a:rPr lang="en" sz="2000">
+                <a:solidFill>
+                  <a:schemeClr val="dk1"/>
+                </a:solidFill>
+              </a:rPr>
+              <a:t>Currently uses hard-coded last 5 positions</a:t>
+            </a:r>
+            <a:endParaRPr sz="2000">
+              <a:solidFill>
+                <a:schemeClr val="dk1"/>
+              </a:solidFill>
+            </a:endParaRPr>
+          </a:p>
+          <a:p>
+            <a:pPr indent="-355600" lvl="1" marL="914400" rtl="0" algn="l">
+              <a:spcBef>
+                <a:spcPts val="0"/>
+              </a:spcBef>
+              <a:spcAft>
+                <a:spcPts val="0"/>
+              </a:spcAft>
+              <a:buClr>
+                <a:schemeClr val="dk1"/>
+              </a:buClr>
+              <a:buSzPts val="2000"/>
+              <a:buChar char="○"/>
+            </a:pPr>
+            <a:r>
+              <a:rPr lang="en" sz="2000">
+                <a:solidFill>
+                  <a:schemeClr val="dk1"/>
+                </a:solidFill>
+              </a:rPr>
+              <a:t>Full RAG implementation</a:t>
+            </a:r>
+            <a:endParaRPr sz="2000">
+              <a:solidFill>
+                <a:schemeClr val="dk1"/>
+              </a:solidFill>
+            </a:endParaRPr>
+          </a:p>
+          <a:p>
+            <a:pPr indent="-355600" lvl="1" marL="914400" rtl="0" algn="l">
+              <a:spcBef>
+                <a:spcPts val="0"/>
+              </a:spcBef>
+              <a:spcAft>
+                <a:spcPts val="0"/>
+              </a:spcAft>
+              <a:buClr>
+                <a:schemeClr val="dk1"/>
+              </a:buClr>
+              <a:buSzPts val="2000"/>
+              <a:buChar char="○"/>
+            </a:pPr>
+            <a:r>
+              <a:rPr lang="en" sz="2000">
+                <a:solidFill>
+                  <a:schemeClr val="dk1"/>
+                </a:solidFill>
+              </a:rPr>
+              <a:t>Very computationally intensive</a:t>
+            </a:r>
+            <a:endParaRPr/>
+          </a:p>
+        </p:txBody>
+      </p:sp>
+    </p:spTree>
+  </p:cSld>
+  <p:clrMapOvr>
+    <a:masterClrMapping/>
+  </p:clrMapOvr>
+</p:sld>
+</file>
+
+<file path=ppt/slides/slide11.xml><?xml version="1.0" encoding="utf-8"?>
+<p:sld xmlns:a="http://schemas.openxmlformats.org/drawingml/2006/main" xmlns:r="http://schemas.openxmlformats.org/officeDocument/2006/relationships" xmlns:mc="http://schemas.openxmlformats.org/markup-compatibility/2006" xmlns:mv="urn:schemas-microsoft-com:mac:vml" xmlns:p="http://schemas.openxmlformats.org/presentationml/2006/main" xmlns:c="http://schemas.openxmlformats.org/drawingml/2006/chart" xmlns:dgm="http://schemas.openxmlformats.org/drawingml/2006/diagram" xmlns:o="urn:schemas-microsoft-com:office:office" xmlns:v="urn:schemas-microsoft-com:vml" xmlns:pvml="urn:schemas-microsoft-com:office:powerpoint" xmlns:com="http://schemas.openxmlformats.org/drawingml/2006/compatibility" xmlns:p14="http://schemas.microsoft.com/office/powerpoint/2010/main" xmlns:p15="http://schemas.microsoft.com/office/powerpoint/2012/main" xmlns:ahyp="http://schemas.microsoft.com/office/drawing/2018/hyperlinkcolor">
+  <p:cSld>
+    <p:spTree>
+      <p:nvGrpSpPr>
+        <p:cNvPr id="112" name="Shape 112"/>
+        <p:cNvGrpSpPr/>
+        <p:nvPr/>
+      </p:nvGrpSpPr>
+      <p:grpSpPr>
+        <a:xfrm>
+          <a:off x="0" y="0"/>
+          <a:ext cx="0" cy="0"/>
+          <a:chOff x="0" y="0"/>
+          <a:chExt cx="0" cy="0"/>
+        </a:xfrm>
+      </p:grpSpPr>
+      <p:sp>
+        <p:nvSpPr>
+          <p:cNvPr id="113" name="Google Shape;113;p23"/>
+          <p:cNvSpPr txBox="1"/>
+          <p:nvPr>
+            <p:ph type="title"/>
+          </p:nvPr>
+        </p:nvSpPr>
+        <p:spPr>
+          <a:xfrm>
+            <a:off x="311700" y="445025"/>
+            <a:ext cx="8520600" cy="572700"/>
+          </a:xfrm>
+          <a:prstGeom prst="rect">
+            <a:avLst/>
+          </a:prstGeom>
+        </p:spPr>
+        <p:txBody>
+          <a:bodyPr anchorCtr="0" anchor="t" bIns="91425" lIns="91425" spcFirstLastPara="1" rIns="91425" wrap="square" tIns="91425">
+            <a:normAutofit fontScale="90000"/>
+          </a:bodyPr>
+          <a:lstStyle/>
+          <a:p>
+            <a:pPr indent="0" lvl="0" marL="0" rtl="0" algn="l">
+              <a:spcBef>
+                <a:spcPts val="0"/>
+              </a:spcBef>
+              <a:spcAft>
+                <a:spcPts val="0"/>
+              </a:spcAft>
+              <a:buNone/>
+            </a:pPr>
+            <a:r>
+              <a:rPr lang="en"/>
+              <a:t>Future Work</a:t>
+            </a:r>
+            <a:endParaRPr/>
+          </a:p>
+        </p:txBody>
+      </p:sp>
+      <p:sp>
+        <p:nvSpPr>
+          <p:cNvPr id="114" name="Google Shape;114;p23"/>
+          <p:cNvSpPr txBox="1"/>
+          <p:nvPr>
+            <p:ph idx="1" type="body"/>
+          </p:nvPr>
+        </p:nvSpPr>
+        <p:spPr>
+          <a:xfrm>
+            <a:off x="311700" y="1152475"/>
             <a:ext cx="7382400" cy="3416400"/>
           </a:xfrm>
           <a:prstGeom prst="rect">
@@ -6609,11 +6981,11 @@
         </p:spPr>
         <p:txBody>
           <a:bodyPr anchorCtr="0" anchor="t" bIns="91425" lIns="91425" spcFirstLastPara="1" rIns="91425" wrap="square" tIns="91425">
-            <a:normAutofit fontScale="85000" lnSpcReduction="20000"/>
+            <a:normAutofit/>
           </a:bodyPr>
           <a:lstStyle/>
           <a:p>
-            <a:pPr indent="-336550" lvl="0" marL="457200" rtl="0" algn="l">
+            <a:pPr indent="-355600" lvl="0" marL="457200" rtl="0" algn="l">
               <a:spcBef>
                 <a:spcPts val="0"/>
               </a:spcBef>
@@ -6623,7 +6995,7 @@
               <a:buClr>
                 <a:schemeClr val="dk1"/>
               </a:buClr>
-              <a:buSzPct val="100000"/>
+              <a:buSzPts val="2000"/>
               <a:buChar char="●"/>
             </a:pPr>
             <a:r>
@@ -6660,7 +7032,7 @@
             </a:endParaRPr>
           </a:p>
           <a:p>
-            <a:pPr indent="-336550" lvl="0" marL="457200" rtl="0" algn="l">
+            <a:pPr indent="-355600" lvl="0" marL="457200" rtl="0" algn="l">
               <a:spcBef>
                 <a:spcPts val="1200"/>
               </a:spcBef>
@@ -6670,7 +7042,7 @@
               <a:buClr>
                 <a:schemeClr val="dk1"/>
               </a:buClr>
-              <a:buSzPct val="100000"/>
+              <a:buSzPts val="2000"/>
               <a:buChar char="●"/>
             </a:pPr>
             <a:r>
@@ -6688,7 +7060,7 @@
             </a:endParaRPr>
           </a:p>
           <a:p>
-            <a:pPr indent="-336550" lvl="1" marL="914400" rtl="0" algn="l">
+            <a:pPr indent="-355600" lvl="1" marL="914400" rtl="0" algn="l">
               <a:spcBef>
                 <a:spcPts val="0"/>
               </a:spcBef>
@@ -6698,7 +7070,7 @@
               <a:buClr>
                 <a:schemeClr val="dk1"/>
               </a:buClr>
-              <a:buSzPct val="100000"/>
+              <a:buSzPts val="2000"/>
               <a:buChar char="○"/>
             </a:pPr>
             <a:r>
@@ -6716,7 +7088,7 @@
             </a:endParaRPr>
           </a:p>
           <a:p>
-            <a:pPr indent="0" lvl="0" marL="457200" rtl="0" algn="l">
+            <a:pPr indent="0" lvl="0" marL="0" rtl="0" algn="l">
               <a:spcBef>
                 <a:spcPts val="1200"/>
               </a:spcBef>
@@ -6735,7 +7107,7 @@
             </a:endParaRPr>
           </a:p>
           <a:p>
-            <a:pPr indent="-336550" lvl="0" marL="457200" rtl="0" algn="l">
+            <a:pPr indent="-355600" lvl="0" marL="457200" rtl="0" algn="l">
               <a:spcBef>
                 <a:spcPts val="1200"/>
               </a:spcBef>
@@ -6745,127 +7117,7 @@
               <a:buClr>
                 <a:schemeClr val="dk1"/>
               </a:buClr>
-              <a:buSzPct val="100000"/>
-              <a:buChar char="●"/>
-            </a:pPr>
-            <a:r>
-              <a:rPr lang="en" sz="2000">
-                <a:solidFill>
-                  <a:schemeClr val="dk1"/>
-                </a:solidFill>
-              </a:rPr>
-              <a:t>LLM uses RAG to move decide agent movements</a:t>
-            </a:r>
-            <a:endParaRPr sz="2000">
-              <a:solidFill>
-                <a:schemeClr val="dk1"/>
-              </a:solidFill>
-            </a:endParaRPr>
-          </a:p>
-          <a:p>
-            <a:pPr indent="-336550" lvl="1" marL="914400" rtl="0" algn="l">
-              <a:spcBef>
-                <a:spcPts val="0"/>
-              </a:spcBef>
-              <a:spcAft>
-                <a:spcPts val="0"/>
-              </a:spcAft>
-              <a:buClr>
-                <a:schemeClr val="dk1"/>
-              </a:buClr>
-              <a:buSzPct val="100000"/>
-              <a:buChar char="○"/>
-            </a:pPr>
-            <a:r>
-              <a:rPr lang="en" sz="2000">
-                <a:solidFill>
-                  <a:schemeClr val="dk1"/>
-                </a:solidFill>
-              </a:rPr>
-              <a:t>Currently uses hard-coded last 5 positions</a:t>
-            </a:r>
-            <a:endParaRPr sz="2000">
-              <a:solidFill>
-                <a:schemeClr val="dk1"/>
-              </a:solidFill>
-            </a:endParaRPr>
-          </a:p>
-          <a:p>
-            <a:pPr indent="-336550" lvl="1" marL="914400" rtl="0" algn="l">
-              <a:spcBef>
-                <a:spcPts val="0"/>
-              </a:spcBef>
-              <a:spcAft>
-                <a:spcPts val="0"/>
-              </a:spcAft>
-              <a:buClr>
-                <a:schemeClr val="dk1"/>
-              </a:buClr>
-              <a:buSzPct val="100000"/>
-              <a:buChar char="○"/>
-            </a:pPr>
-            <a:r>
-              <a:rPr lang="en" sz="2000">
-                <a:solidFill>
-                  <a:schemeClr val="dk1"/>
-                </a:solidFill>
-              </a:rPr>
-              <a:t>Full RAG </a:t>
-            </a:r>
-            <a:r>
-              <a:rPr lang="en" sz="2000">
-                <a:solidFill>
-                  <a:schemeClr val="dk1"/>
-                </a:solidFill>
-              </a:rPr>
-              <a:t>implementation</a:t>
-            </a:r>
-            <a:endParaRPr sz="2000">
-              <a:solidFill>
-                <a:schemeClr val="dk1"/>
-              </a:solidFill>
-            </a:endParaRPr>
-          </a:p>
-          <a:p>
-            <a:pPr indent="-336550" lvl="1" marL="914400" rtl="0" algn="l">
-              <a:spcBef>
-                <a:spcPts val="0"/>
-              </a:spcBef>
-              <a:spcAft>
-                <a:spcPts val="0"/>
-              </a:spcAft>
-              <a:buClr>
-                <a:schemeClr val="dk1"/>
-              </a:buClr>
-              <a:buSzPct val="100000"/>
-              <a:buChar char="○"/>
-            </a:pPr>
-            <a:r>
-              <a:rPr lang="en" sz="2000">
-                <a:solidFill>
-                  <a:schemeClr val="dk1"/>
-                </a:solidFill>
-              </a:rPr>
-              <a:t>Very computationally intensive</a:t>
-            </a:r>
-            <a:endParaRPr sz="2000">
-              <a:solidFill>
-                <a:schemeClr val="dk1"/>
-              </a:solidFill>
-            </a:endParaRPr>
-          </a:p>
-          <a:p>
-            <a:pPr indent="-336550" lvl="0" marL="457200" rtl="0" algn="l">
-              <a:spcBef>
-                <a:spcPts val="0"/>
-              </a:spcBef>
-              <a:spcAft>
-                <a:spcPts val="0"/>
-              </a:spcAft>
-              <a:buClr>
-                <a:schemeClr val="dk1"/>
-              </a:buClr>
-              <a:buSzPct val="100000"/>
+              <a:buSzPts val="2000"/>
               <a:buChar char="●"/>
             </a:pPr>
             <a:r>
